--- a/2NMCT_ruben_joren_PRESENTATIE.docx.pptx
+++ b/2NMCT_ruben_joren_PRESENTATIE.docx.pptx
@@ -109,6 +109,11 @@
       </a:defRPr>
     </a:lvl9pPr>
   </p:defaultTextStyle>
+  <p:extLst>
+    <p:ext uri="{EFAFB233-063F-42B5-8137-9DF3F51BA10A}">
+      <p15:sldGuideLst xmlns:p15="http://schemas.microsoft.com/office/powerpoint/2012/main"/>
+    </p:ext>
+  </p:extLst>
 </p:presentation>
 </file>
 
@@ -4428,16 +4433,12 @@
               <a:buChar char="o"/>
             </a:pPr>
             <a:r>
-              <a:rPr lang="nl-BE" sz="2800" dirty="0" smtClean="0"/>
-              <a:t>Defecte hardware (</a:t>
-            </a:r>
-            <a:r>
-              <a:rPr lang="nl-BE" sz="2800" dirty="0" err="1" smtClean="0"/>
-              <a:t>Raspberry</a:t>
-            </a:r>
-            <a:r>
-              <a:rPr lang="nl-BE" sz="2800" dirty="0" smtClean="0"/>
-              <a:t> Pi)</a:t>
+              <a:rPr lang="nl-BE" sz="2800" smtClean="0"/>
+              <a:t>Defecte </a:t>
+            </a:r>
+            <a:r>
+              <a:rPr lang="nl-BE" sz="2800" smtClean="0"/>
+              <a:t>hardware</a:t>
             </a:r>
             <a:endParaRPr lang="nl-BE" sz="2800" dirty="0"/>
           </a:p>
